--- a/paper/sozai/論文で使うイラスト.pptx
+++ b/paper/sozai/論文で使うイラスト.pptx
@@ -9,6 +9,7 @@
     <p:sldId id="257" r:id="rId3"/>
     <p:sldId id="291" r:id="rId4"/>
     <p:sldId id="307" r:id="rId5"/>
+    <p:sldId id="274" r:id="rId6"/>
   </p:sldIdLst>
   <p:sldSz cx="12192000" cy="6858000"/>
   <p:notesSz cx="6858000" cy="9144000"/>
@@ -3349,7 +3350,14 @@
           <a:p>
             <a:r>
               <a:rPr lang="en-JP"/>
-              <a:t>論文で使うイラスト作成</a:t>
+              <a:t>論文やスライドで使う</a:t>
+            </a:r>
+            <a:br>
+              <a:rPr lang="en-JP"/>
+            </a:br>
+            <a:r>
+              <a:rPr lang="en-JP"/>
+              <a:t>イラスト作成</a:t>
             </a:r>
           </a:p>
         </p:txBody>
@@ -6004,6 +6012,856 @@
 </p:sld>
 </file>
 
+<file path=ppt/slides/slide5.xml><?xml version="1.0" encoding="utf-8"?>
+<p:sld xmlns:a="http://schemas.openxmlformats.org/drawingml/2006/main" xmlns:r="http://schemas.openxmlformats.org/officeDocument/2006/relationships" xmlns:p="http://schemas.openxmlformats.org/presentationml/2006/main">
+  <p:cSld>
+    <p:spTree>
+      <p:nvGrpSpPr>
+        <p:cNvPr id="1" name=""/>
+        <p:cNvGrpSpPr/>
+        <p:nvPr/>
+      </p:nvGrpSpPr>
+      <p:grpSpPr>
+        <a:xfrm>
+          <a:off x="0" y="0"/>
+          <a:ext cx="0" cy="0"/>
+          <a:chOff x="0" y="0"/>
+          <a:chExt cx="0" cy="0"/>
+        </a:xfrm>
+      </p:grpSpPr>
+      <p:sp>
+        <p:nvSpPr>
+          <p:cNvPr id="2" name="Title 1">
+            <a:extLst>
+              <a:ext uri="{FF2B5EF4-FFF2-40B4-BE49-F238E27FC236}">
+                <a16:creationId xmlns:a16="http://schemas.microsoft.com/office/drawing/2014/main" id="{775F4823-C48D-0B46-86E1-23E95B5A90E6}"/>
+              </a:ext>
+            </a:extLst>
+          </p:cNvPr>
+          <p:cNvSpPr>
+            <a:spLocks noGrp="1"/>
+          </p:cNvSpPr>
+          <p:nvPr>
+            <p:ph type="title"/>
+          </p:nvPr>
+        </p:nvSpPr>
+        <p:spPr/>
+        <p:txBody>
+          <a:bodyPr/>
+          <a:lstStyle/>
+          <a:p>
+            <a:r>
+              <a:rPr lang="en-JP" dirty="0"/>
+              <a:t>LP,DPの交差</a:t>
+            </a:r>
+          </a:p>
+        </p:txBody>
+      </p:sp>
+      <p:sp>
+        <p:nvSpPr>
+          <p:cNvPr id="3" name="Content Placeholder 2">
+            <a:extLst>
+              <a:ext uri="{FF2B5EF4-FFF2-40B4-BE49-F238E27FC236}">
+                <a16:creationId xmlns:a16="http://schemas.microsoft.com/office/drawing/2014/main" id="{C172544F-CD01-244B-A1AA-4BFF8BB6009B}"/>
+              </a:ext>
+            </a:extLst>
+          </p:cNvPr>
+          <p:cNvSpPr>
+            <a:spLocks noGrp="1"/>
+          </p:cNvSpPr>
+          <p:nvPr>
+            <p:ph idx="1"/>
+          </p:nvPr>
+        </p:nvSpPr>
+        <p:spPr>
+          <a:xfrm>
+            <a:off x="838200" y="1825625"/>
+            <a:ext cx="4623828" cy="4351338"/>
+          </a:xfrm>
+        </p:spPr>
+        <p:txBody>
+          <a:bodyPr>
+            <a:normAutofit fontScale="92500" lnSpcReduction="10000"/>
+          </a:bodyPr>
+          <a:lstStyle/>
+          <a:p>
+            <a:pPr marL="0" indent="0">
+              <a:buNone/>
+            </a:pPr>
+            <a:r>
+              <a:rPr lang="en-JP" dirty="0"/>
+              <a:t>以下の4種類の車を同じホールド（セグメント）に詰め込む</a:t>
+            </a:r>
+          </a:p>
+          <a:p>
+            <a:pPr marL="0" indent="0">
+              <a:buNone/>
+            </a:pPr>
+            <a:endParaRPr lang="en-JP" dirty="0"/>
+          </a:p>
+          <a:p>
+            <a:pPr marL="0" indent="0">
+              <a:buNone/>
+            </a:pPr>
+            <a:r>
+              <a:rPr lang="en-JP" dirty="0"/>
+              <a:t>車A：L1-D1</a:t>
+            </a:r>
+          </a:p>
+          <a:p>
+            <a:pPr marL="0" indent="0">
+              <a:buNone/>
+            </a:pPr>
+            <a:r>
+              <a:rPr lang="en-JP" dirty="0"/>
+              <a:t>車B：L1-D2</a:t>
+            </a:r>
+          </a:p>
+          <a:p>
+            <a:pPr marL="0" indent="0">
+              <a:buNone/>
+            </a:pPr>
+            <a:r>
+              <a:rPr lang="en-JP" dirty="0"/>
+              <a:t>車C：L2-D1</a:t>
+            </a:r>
+          </a:p>
+          <a:p>
+            <a:pPr marL="0" indent="0">
+              <a:buNone/>
+            </a:pPr>
+            <a:r>
+              <a:rPr lang="en-JP" dirty="0"/>
+              <a:t>車D：L2-D2</a:t>
+            </a:r>
+          </a:p>
+          <a:p>
+            <a:pPr marL="0" indent="0">
+              <a:buNone/>
+            </a:pPr>
+            <a:endParaRPr lang="en-JP" dirty="0"/>
+          </a:p>
+          <a:p>
+            <a:pPr marL="0" indent="0">
+              <a:buNone/>
+            </a:pPr>
+            <a:r>
+              <a:rPr lang="en-JP" dirty="0"/>
+              <a:t>航路：L1,L2,D1,D2</a:t>
+            </a:r>
+          </a:p>
+        </p:txBody>
+      </p:sp>
+      <p:sp>
+        <p:nvSpPr>
+          <p:cNvPr id="5" name="Rectangle 4">
+            <a:extLst>
+              <a:ext uri="{FF2B5EF4-FFF2-40B4-BE49-F238E27FC236}">
+                <a16:creationId xmlns:a16="http://schemas.microsoft.com/office/drawing/2014/main" id="{C4EEB698-AC71-A147-9EEA-35A6F0C8E46B}"/>
+              </a:ext>
+            </a:extLst>
+          </p:cNvPr>
+          <p:cNvSpPr/>
+          <p:nvPr/>
+        </p:nvSpPr>
+        <p:spPr>
+          <a:xfrm>
+            <a:off x="6116423" y="3425366"/>
+            <a:ext cx="2367177" cy="2751596"/>
+          </a:xfrm>
+          <a:prstGeom prst="rect">
+            <a:avLst/>
+          </a:prstGeom>
+          <a:noFill/>
+        </p:spPr>
+        <p:style>
+          <a:lnRef idx="2">
+            <a:schemeClr val="accent1">
+              <a:shade val="50000"/>
+            </a:schemeClr>
+          </a:lnRef>
+          <a:fillRef idx="1">
+            <a:schemeClr val="accent1"/>
+          </a:fillRef>
+          <a:effectRef idx="0">
+            <a:schemeClr val="accent1"/>
+          </a:effectRef>
+          <a:fontRef idx="minor">
+            <a:schemeClr val="lt1"/>
+          </a:fontRef>
+        </p:style>
+        <p:txBody>
+          <a:bodyPr rtlCol="0" anchor="ctr"/>
+          <a:lstStyle/>
+          <a:p>
+            <a:pPr algn="ctr"/>
+            <a:endParaRPr lang="en-JP" dirty="0"/>
+          </a:p>
+        </p:txBody>
+      </p:sp>
+      <p:sp>
+        <p:nvSpPr>
+          <p:cNvPr id="6" name="Rectangle 5">
+            <a:extLst>
+              <a:ext uri="{FF2B5EF4-FFF2-40B4-BE49-F238E27FC236}">
+                <a16:creationId xmlns:a16="http://schemas.microsoft.com/office/drawing/2014/main" id="{EF107950-0449-4B4B-9100-B1DBF10AB951}"/>
+              </a:ext>
+            </a:extLst>
+          </p:cNvPr>
+          <p:cNvSpPr/>
+          <p:nvPr/>
+        </p:nvSpPr>
+        <p:spPr>
+          <a:xfrm>
+            <a:off x="6881730" y="3098800"/>
+            <a:ext cx="852428" cy="326563"/>
+          </a:xfrm>
+          <a:prstGeom prst="rect">
+            <a:avLst/>
+          </a:prstGeom>
+        </p:spPr>
+        <p:style>
+          <a:lnRef idx="2">
+            <a:schemeClr val="accent1">
+              <a:shade val="50000"/>
+            </a:schemeClr>
+          </a:lnRef>
+          <a:fillRef idx="1">
+            <a:schemeClr val="accent1"/>
+          </a:fillRef>
+          <a:effectRef idx="0">
+            <a:schemeClr val="accent1"/>
+          </a:effectRef>
+          <a:fontRef idx="minor">
+            <a:schemeClr val="lt1"/>
+          </a:fontRef>
+        </p:style>
+        <p:txBody>
+          <a:bodyPr rtlCol="0" anchor="ctr"/>
+          <a:lstStyle/>
+          <a:p>
+            <a:pPr algn="ctr"/>
+            <a:r>
+              <a:rPr lang="en-JP" dirty="0"/>
+              <a:t>入口</a:t>
+            </a:r>
+          </a:p>
+        </p:txBody>
+      </p:sp>
+      <p:sp>
+        <p:nvSpPr>
+          <p:cNvPr id="10" name="Rectangle 9">
+            <a:extLst>
+              <a:ext uri="{FF2B5EF4-FFF2-40B4-BE49-F238E27FC236}">
+                <a16:creationId xmlns:a16="http://schemas.microsoft.com/office/drawing/2014/main" id="{6BE02B6C-DB3D-2147-8A69-86FFE466A8A1}"/>
+              </a:ext>
+            </a:extLst>
+          </p:cNvPr>
+          <p:cNvSpPr/>
+          <p:nvPr/>
+        </p:nvSpPr>
+        <p:spPr>
+          <a:xfrm>
+            <a:off x="6129946" y="5261429"/>
+            <a:ext cx="2361586" cy="915533"/>
+          </a:xfrm>
+          <a:prstGeom prst="rect">
+            <a:avLst/>
+          </a:prstGeom>
+        </p:spPr>
+        <p:style>
+          <a:lnRef idx="2">
+            <a:schemeClr val="accent2">
+              <a:shade val="50000"/>
+            </a:schemeClr>
+          </a:lnRef>
+          <a:fillRef idx="1">
+            <a:schemeClr val="accent2"/>
+          </a:fillRef>
+          <a:effectRef idx="0">
+            <a:schemeClr val="accent2"/>
+          </a:effectRef>
+          <a:fontRef idx="minor">
+            <a:schemeClr val="lt1"/>
+          </a:fontRef>
+        </p:style>
+        <p:txBody>
+          <a:bodyPr rtlCol="0" anchor="ctr"/>
+          <a:lstStyle/>
+          <a:p>
+            <a:pPr algn="ctr"/>
+            <a:r>
+              <a:rPr lang="en-JP" dirty="0"/>
+              <a:t>グループA</a:t>
+            </a:r>
+          </a:p>
+        </p:txBody>
+      </p:sp>
+      <p:sp>
+        <p:nvSpPr>
+          <p:cNvPr id="11" name="Rectangle 10">
+            <a:extLst>
+              <a:ext uri="{FF2B5EF4-FFF2-40B4-BE49-F238E27FC236}">
+                <a16:creationId xmlns:a16="http://schemas.microsoft.com/office/drawing/2014/main" id="{6327AD19-1463-134A-B82A-EF5416305FB6}"/>
+              </a:ext>
+            </a:extLst>
+          </p:cNvPr>
+          <p:cNvSpPr/>
+          <p:nvPr/>
+        </p:nvSpPr>
+        <p:spPr>
+          <a:xfrm>
+            <a:off x="6116424" y="4238171"/>
+            <a:ext cx="1191520" cy="1023258"/>
+          </a:xfrm>
+          <a:prstGeom prst="rect">
+            <a:avLst/>
+          </a:prstGeom>
+        </p:spPr>
+        <p:style>
+          <a:lnRef idx="2">
+            <a:schemeClr val="accent4">
+              <a:shade val="50000"/>
+            </a:schemeClr>
+          </a:lnRef>
+          <a:fillRef idx="1">
+            <a:schemeClr val="accent4"/>
+          </a:fillRef>
+          <a:effectRef idx="0">
+            <a:schemeClr val="accent4"/>
+          </a:effectRef>
+          <a:fontRef idx="minor">
+            <a:schemeClr val="lt1"/>
+          </a:fontRef>
+        </p:style>
+        <p:txBody>
+          <a:bodyPr rtlCol="0" anchor="ctr"/>
+          <a:lstStyle/>
+          <a:p>
+            <a:pPr algn="ctr"/>
+            <a:r>
+              <a:rPr lang="en-JP" dirty="0"/>
+              <a:t>グループB</a:t>
+            </a:r>
+          </a:p>
+        </p:txBody>
+      </p:sp>
+      <p:sp>
+        <p:nvSpPr>
+          <p:cNvPr id="12" name="Rectangle 11">
+            <a:extLst>
+              <a:ext uri="{FF2B5EF4-FFF2-40B4-BE49-F238E27FC236}">
+                <a16:creationId xmlns:a16="http://schemas.microsoft.com/office/drawing/2014/main" id="{563ADAA9-D39E-0142-AEBD-68BD5A96EBB0}"/>
+              </a:ext>
+            </a:extLst>
+          </p:cNvPr>
+          <p:cNvSpPr/>
+          <p:nvPr/>
+        </p:nvSpPr>
+        <p:spPr>
+          <a:xfrm>
+            <a:off x="7307944" y="4238169"/>
+            <a:ext cx="1175656" cy="1023259"/>
+          </a:xfrm>
+          <a:prstGeom prst="rect">
+            <a:avLst/>
+          </a:prstGeom>
+        </p:spPr>
+        <p:style>
+          <a:lnRef idx="2">
+            <a:schemeClr val="accent6">
+              <a:shade val="50000"/>
+            </a:schemeClr>
+          </a:lnRef>
+          <a:fillRef idx="1">
+            <a:schemeClr val="accent6"/>
+          </a:fillRef>
+          <a:effectRef idx="0">
+            <a:schemeClr val="accent6"/>
+          </a:effectRef>
+          <a:fontRef idx="minor">
+            <a:schemeClr val="lt1"/>
+          </a:fontRef>
+        </p:style>
+        <p:txBody>
+          <a:bodyPr rtlCol="0" anchor="ctr"/>
+          <a:lstStyle/>
+          <a:p>
+            <a:pPr algn="ctr"/>
+            <a:r>
+              <a:rPr lang="en-JP" dirty="0"/>
+              <a:t>グループC</a:t>
+            </a:r>
+          </a:p>
+        </p:txBody>
+      </p:sp>
+      <p:sp>
+        <p:nvSpPr>
+          <p:cNvPr id="13" name="Rectangle 12">
+            <a:extLst>
+              <a:ext uri="{FF2B5EF4-FFF2-40B4-BE49-F238E27FC236}">
+                <a16:creationId xmlns:a16="http://schemas.microsoft.com/office/drawing/2014/main" id="{31C804DC-590D-DF4A-9F28-26DA30D34F6B}"/>
+              </a:ext>
+            </a:extLst>
+          </p:cNvPr>
+          <p:cNvSpPr/>
+          <p:nvPr/>
+        </p:nvSpPr>
+        <p:spPr>
+          <a:xfrm>
+            <a:off x="6124355" y="3425366"/>
+            <a:ext cx="2367177" cy="812802"/>
+          </a:xfrm>
+          <a:prstGeom prst="rect">
+            <a:avLst/>
+          </a:prstGeom>
+        </p:spPr>
+        <p:style>
+          <a:lnRef idx="2">
+            <a:schemeClr val="accent3">
+              <a:shade val="50000"/>
+            </a:schemeClr>
+          </a:lnRef>
+          <a:fillRef idx="1">
+            <a:schemeClr val="accent3"/>
+          </a:fillRef>
+          <a:effectRef idx="0">
+            <a:schemeClr val="accent3"/>
+          </a:effectRef>
+          <a:fontRef idx="minor">
+            <a:schemeClr val="lt1"/>
+          </a:fontRef>
+        </p:style>
+        <p:txBody>
+          <a:bodyPr rtlCol="0" anchor="ctr"/>
+          <a:lstStyle/>
+          <a:p>
+            <a:pPr algn="ctr"/>
+            <a:r>
+              <a:rPr lang="en-JP" dirty="0"/>
+              <a:t>グループD</a:t>
+            </a:r>
+          </a:p>
+        </p:txBody>
+      </p:sp>
+      <p:sp>
+        <p:nvSpPr>
+          <p:cNvPr id="14" name="Rectangle 13">
+            <a:extLst>
+              <a:ext uri="{FF2B5EF4-FFF2-40B4-BE49-F238E27FC236}">
+                <a16:creationId xmlns:a16="http://schemas.microsoft.com/office/drawing/2014/main" id="{7D50AA60-910B-0043-86C8-9FD6893A8586}"/>
+              </a:ext>
+            </a:extLst>
+          </p:cNvPr>
+          <p:cNvSpPr/>
+          <p:nvPr/>
+        </p:nvSpPr>
+        <p:spPr>
+          <a:xfrm>
+            <a:off x="8916398" y="3425366"/>
+            <a:ext cx="2367177" cy="2751596"/>
+          </a:xfrm>
+          <a:prstGeom prst="rect">
+            <a:avLst/>
+          </a:prstGeom>
+          <a:noFill/>
+        </p:spPr>
+        <p:style>
+          <a:lnRef idx="2">
+            <a:schemeClr val="accent1">
+              <a:shade val="50000"/>
+            </a:schemeClr>
+          </a:lnRef>
+          <a:fillRef idx="1">
+            <a:schemeClr val="accent1"/>
+          </a:fillRef>
+          <a:effectRef idx="0">
+            <a:schemeClr val="accent1"/>
+          </a:effectRef>
+          <a:fontRef idx="minor">
+            <a:schemeClr val="lt1"/>
+          </a:fontRef>
+        </p:style>
+        <p:txBody>
+          <a:bodyPr rtlCol="0" anchor="ctr"/>
+          <a:lstStyle/>
+          <a:p>
+            <a:pPr algn="ctr"/>
+            <a:endParaRPr lang="en-JP" dirty="0"/>
+          </a:p>
+        </p:txBody>
+      </p:sp>
+      <p:sp>
+        <p:nvSpPr>
+          <p:cNvPr id="15" name="Rectangle 14">
+            <a:extLst>
+              <a:ext uri="{FF2B5EF4-FFF2-40B4-BE49-F238E27FC236}">
+                <a16:creationId xmlns:a16="http://schemas.microsoft.com/office/drawing/2014/main" id="{5F895E96-EC0E-AA41-B3B7-3F6D13031087}"/>
+              </a:ext>
+            </a:extLst>
+          </p:cNvPr>
+          <p:cNvSpPr/>
+          <p:nvPr/>
+        </p:nvSpPr>
+        <p:spPr>
+          <a:xfrm>
+            <a:off x="8924330" y="5261429"/>
+            <a:ext cx="2361586" cy="915533"/>
+          </a:xfrm>
+          <a:prstGeom prst="rect">
+            <a:avLst/>
+          </a:prstGeom>
+        </p:spPr>
+        <p:style>
+          <a:lnRef idx="2">
+            <a:schemeClr val="accent2">
+              <a:shade val="50000"/>
+            </a:schemeClr>
+          </a:lnRef>
+          <a:fillRef idx="1">
+            <a:schemeClr val="accent2"/>
+          </a:fillRef>
+          <a:effectRef idx="0">
+            <a:schemeClr val="accent2"/>
+          </a:effectRef>
+          <a:fontRef idx="minor">
+            <a:schemeClr val="lt1"/>
+          </a:fontRef>
+        </p:style>
+        <p:txBody>
+          <a:bodyPr rtlCol="0" anchor="ctr"/>
+          <a:lstStyle/>
+          <a:p>
+            <a:pPr algn="ctr"/>
+            <a:r>
+              <a:rPr lang="en-JP" dirty="0"/>
+              <a:t>車B</a:t>
+            </a:r>
+          </a:p>
+        </p:txBody>
+      </p:sp>
+      <p:sp>
+        <p:nvSpPr>
+          <p:cNvPr id="16" name="Rectangle 15">
+            <a:extLst>
+              <a:ext uri="{FF2B5EF4-FFF2-40B4-BE49-F238E27FC236}">
+                <a16:creationId xmlns:a16="http://schemas.microsoft.com/office/drawing/2014/main" id="{C9672CB5-D478-B347-A658-442C041C987E}"/>
+              </a:ext>
+            </a:extLst>
+          </p:cNvPr>
+          <p:cNvSpPr/>
+          <p:nvPr/>
+        </p:nvSpPr>
+        <p:spPr>
+          <a:xfrm>
+            <a:off x="9673772" y="3087910"/>
+            <a:ext cx="852428" cy="326563"/>
+          </a:xfrm>
+          <a:prstGeom prst="rect">
+            <a:avLst/>
+          </a:prstGeom>
+        </p:spPr>
+        <p:style>
+          <a:lnRef idx="2">
+            <a:schemeClr val="accent1">
+              <a:shade val="50000"/>
+            </a:schemeClr>
+          </a:lnRef>
+          <a:fillRef idx="1">
+            <a:schemeClr val="accent1"/>
+          </a:fillRef>
+          <a:effectRef idx="0">
+            <a:schemeClr val="accent1"/>
+          </a:effectRef>
+          <a:fontRef idx="minor">
+            <a:schemeClr val="lt1"/>
+          </a:fontRef>
+        </p:style>
+        <p:txBody>
+          <a:bodyPr rtlCol="0" anchor="ctr"/>
+          <a:lstStyle/>
+          <a:p>
+            <a:pPr algn="ctr"/>
+            <a:r>
+              <a:rPr lang="en-JP" dirty="0"/>
+              <a:t>入口</a:t>
+            </a:r>
+          </a:p>
+        </p:txBody>
+      </p:sp>
+      <p:sp>
+        <p:nvSpPr>
+          <p:cNvPr id="17" name="Rectangle 16">
+            <a:extLst>
+              <a:ext uri="{FF2B5EF4-FFF2-40B4-BE49-F238E27FC236}">
+                <a16:creationId xmlns:a16="http://schemas.microsoft.com/office/drawing/2014/main" id="{C68D7415-7FA3-A74A-972C-62973569DB5C}"/>
+              </a:ext>
+            </a:extLst>
+          </p:cNvPr>
+          <p:cNvSpPr/>
+          <p:nvPr/>
+        </p:nvSpPr>
+        <p:spPr>
+          <a:xfrm>
+            <a:off x="8924330" y="4249059"/>
+            <a:ext cx="662328" cy="1012368"/>
+          </a:xfrm>
+          <a:prstGeom prst="rect">
+            <a:avLst/>
+          </a:prstGeom>
+        </p:spPr>
+        <p:style>
+          <a:lnRef idx="2">
+            <a:schemeClr val="accent4">
+              <a:shade val="50000"/>
+            </a:schemeClr>
+          </a:lnRef>
+          <a:fillRef idx="1">
+            <a:schemeClr val="accent4"/>
+          </a:fillRef>
+          <a:effectRef idx="0">
+            <a:schemeClr val="accent4"/>
+          </a:effectRef>
+          <a:fontRef idx="minor">
+            <a:schemeClr val="lt1"/>
+          </a:fontRef>
+        </p:style>
+        <p:txBody>
+          <a:bodyPr rtlCol="0" anchor="ctr"/>
+          <a:lstStyle/>
+          <a:p>
+            <a:pPr algn="ctr"/>
+            <a:r>
+              <a:rPr lang="en-JP" dirty="0"/>
+              <a:t>車A</a:t>
+            </a:r>
+          </a:p>
+        </p:txBody>
+      </p:sp>
+      <p:sp>
+        <p:nvSpPr>
+          <p:cNvPr id="18" name="Rectangle 17">
+            <a:extLst>
+              <a:ext uri="{FF2B5EF4-FFF2-40B4-BE49-F238E27FC236}">
+                <a16:creationId xmlns:a16="http://schemas.microsoft.com/office/drawing/2014/main" id="{49BC036D-D4FA-E04E-A2C6-A70654292EAA}"/>
+              </a:ext>
+            </a:extLst>
+          </p:cNvPr>
+          <p:cNvSpPr/>
+          <p:nvPr/>
+        </p:nvSpPr>
+        <p:spPr>
+          <a:xfrm>
+            <a:off x="9588999" y="4249060"/>
+            <a:ext cx="1021974" cy="1012368"/>
+          </a:xfrm>
+          <a:prstGeom prst="rect">
+            <a:avLst/>
+          </a:prstGeom>
+        </p:spPr>
+        <p:style>
+          <a:lnRef idx="2">
+            <a:schemeClr val="accent6">
+              <a:shade val="50000"/>
+            </a:schemeClr>
+          </a:lnRef>
+          <a:fillRef idx="1">
+            <a:schemeClr val="accent6"/>
+          </a:fillRef>
+          <a:effectRef idx="0">
+            <a:schemeClr val="accent6"/>
+          </a:effectRef>
+          <a:fontRef idx="minor">
+            <a:schemeClr val="lt1"/>
+          </a:fontRef>
+        </p:style>
+        <p:txBody>
+          <a:bodyPr rtlCol="0" anchor="ctr"/>
+          <a:lstStyle/>
+          <a:p>
+            <a:pPr algn="ctr"/>
+            <a:r>
+              <a:rPr lang="en-JP" dirty="0"/>
+              <a:t>車D</a:t>
+            </a:r>
+          </a:p>
+        </p:txBody>
+      </p:sp>
+      <p:sp>
+        <p:nvSpPr>
+          <p:cNvPr id="20" name="Rectangle 19">
+            <a:extLst>
+              <a:ext uri="{FF2B5EF4-FFF2-40B4-BE49-F238E27FC236}">
+                <a16:creationId xmlns:a16="http://schemas.microsoft.com/office/drawing/2014/main" id="{B1E40DCB-92BC-8848-B80D-CC1E53C96D75}"/>
+              </a:ext>
+            </a:extLst>
+          </p:cNvPr>
+          <p:cNvSpPr/>
+          <p:nvPr/>
+        </p:nvSpPr>
+        <p:spPr>
+          <a:xfrm>
+            <a:off x="10610973" y="4249059"/>
+            <a:ext cx="662328" cy="1012368"/>
+          </a:xfrm>
+          <a:prstGeom prst="rect">
+            <a:avLst/>
+          </a:prstGeom>
+        </p:spPr>
+        <p:style>
+          <a:lnRef idx="2">
+            <a:schemeClr val="accent4">
+              <a:shade val="50000"/>
+            </a:schemeClr>
+          </a:lnRef>
+          <a:fillRef idx="1">
+            <a:schemeClr val="accent4"/>
+          </a:fillRef>
+          <a:effectRef idx="0">
+            <a:schemeClr val="accent4"/>
+          </a:effectRef>
+          <a:fontRef idx="minor">
+            <a:schemeClr val="lt1"/>
+          </a:fontRef>
+        </p:style>
+        <p:txBody>
+          <a:bodyPr rtlCol="0" anchor="ctr"/>
+          <a:lstStyle/>
+          <a:p>
+            <a:pPr algn="ctr"/>
+            <a:r>
+              <a:rPr lang="en-JP" dirty="0"/>
+              <a:t>車A</a:t>
+            </a:r>
+          </a:p>
+        </p:txBody>
+      </p:sp>
+      <p:sp>
+        <p:nvSpPr>
+          <p:cNvPr id="21" name="Rectangle 20">
+            <a:extLst>
+              <a:ext uri="{FF2B5EF4-FFF2-40B4-BE49-F238E27FC236}">
+                <a16:creationId xmlns:a16="http://schemas.microsoft.com/office/drawing/2014/main" id="{E7079AED-0C6A-D84C-B2B7-73B0BDDC8C9F}"/>
+              </a:ext>
+            </a:extLst>
+          </p:cNvPr>
+          <p:cNvSpPr/>
+          <p:nvPr/>
+        </p:nvSpPr>
+        <p:spPr>
+          <a:xfrm>
+            <a:off x="8924330" y="3425366"/>
+            <a:ext cx="2348971" cy="812800"/>
+          </a:xfrm>
+          <a:prstGeom prst="rect">
+            <a:avLst/>
+          </a:prstGeom>
+        </p:spPr>
+        <p:style>
+          <a:lnRef idx="2">
+            <a:schemeClr val="accent3">
+              <a:shade val="50000"/>
+            </a:schemeClr>
+          </a:lnRef>
+          <a:fillRef idx="1">
+            <a:schemeClr val="accent3"/>
+          </a:fillRef>
+          <a:effectRef idx="0">
+            <a:schemeClr val="accent3"/>
+          </a:effectRef>
+          <a:fontRef idx="minor">
+            <a:schemeClr val="lt1"/>
+          </a:fontRef>
+        </p:style>
+        <p:txBody>
+          <a:bodyPr rtlCol="0" anchor="ctr"/>
+          <a:lstStyle/>
+          <a:p>
+            <a:pPr algn="ctr"/>
+            <a:r>
+              <a:rPr lang="en-JP" dirty="0"/>
+              <a:t>車C</a:t>
+            </a:r>
+          </a:p>
+        </p:txBody>
+      </p:sp>
+      <p:sp>
+        <p:nvSpPr>
+          <p:cNvPr id="22" name="TextBox 21">
+            <a:extLst>
+              <a:ext uri="{FF2B5EF4-FFF2-40B4-BE49-F238E27FC236}">
+                <a16:creationId xmlns:a16="http://schemas.microsoft.com/office/drawing/2014/main" id="{15230815-8113-C346-B520-AC75E80C2F00}"/>
+              </a:ext>
+            </a:extLst>
+          </p:cNvPr>
+          <p:cNvSpPr txBox="1"/>
+          <p:nvPr/>
+        </p:nvSpPr>
+        <p:spPr>
+          <a:xfrm>
+            <a:off x="7950875" y="6511801"/>
+            <a:ext cx="2031325" cy="369332"/>
+          </a:xfrm>
+          <a:prstGeom prst="rect">
+            <a:avLst/>
+          </a:prstGeom>
+          <a:noFill/>
+        </p:spPr>
+        <p:txBody>
+          <a:bodyPr wrap="none" rtlCol="0">
+            <a:spAutoFit/>
+          </a:bodyPr>
+          <a:lstStyle/>
+          <a:p>
+            <a:r>
+              <a:rPr lang="en-JP" dirty="0"/>
+              <a:t>実行可能配置の例</a:t>
+            </a:r>
+          </a:p>
+        </p:txBody>
+      </p:sp>
+      <p:sp>
+        <p:nvSpPr>
+          <p:cNvPr id="4" name="Slide Number Placeholder 3">
+            <a:extLst>
+              <a:ext uri="{FF2B5EF4-FFF2-40B4-BE49-F238E27FC236}">
+                <a16:creationId xmlns:a16="http://schemas.microsoft.com/office/drawing/2014/main" id="{F5C39C2E-9440-B14B-B53F-28F585371104}"/>
+              </a:ext>
+            </a:extLst>
+          </p:cNvPr>
+          <p:cNvSpPr>
+            <a:spLocks noGrp="1"/>
+          </p:cNvSpPr>
+          <p:nvPr>
+            <p:ph type="sldNum" sz="quarter" idx="12"/>
+          </p:nvPr>
+        </p:nvSpPr>
+        <p:spPr/>
+        <p:txBody>
+          <a:bodyPr/>
+          <a:lstStyle/>
+          <a:p>
+            <a:fld id="{FBD1548A-D84F-764A-9C12-7E7EEA55A21B}" type="slidenum">
+              <a:rPr lang="en-JP" smtClean="0"/>
+              <a:t>5</a:t>
+            </a:fld>
+            <a:endParaRPr lang="en-JP"/>
+          </a:p>
+        </p:txBody>
+      </p:sp>
+    </p:spTree>
+    <p:extLst>
+      <p:ext uri="{BB962C8B-B14F-4D97-AF65-F5344CB8AC3E}">
+        <p14:creationId xmlns:p14="http://schemas.microsoft.com/office/powerpoint/2010/main" val="413864726"/>
+      </p:ext>
+    </p:extLst>
+  </p:cSld>
+  <p:clrMapOvr>
+    <a:masterClrMapping/>
+  </p:clrMapOvr>
+</p:sld>
+</file>
+
 <file path=ppt/theme/theme1.xml><?xml version="1.0" encoding="utf-8"?>
 <a:theme xmlns:a="http://schemas.openxmlformats.org/drawingml/2006/main" name="Office Theme">
   <a:themeElements>

--- a/paper/sozai/論文で使うイラスト.pptx
+++ b/paper/sozai/論文で使うイラスト.pptx
@@ -264,7 +264,7 @@
           <a:lstStyle/>
           <a:p>
             <a:fld id="{E671B877-CDFC-C242-A54A-17C93E91C5BE}" type="datetimeFigureOut">
-              <a:t>2022/01/25</a:t>
+              <a:t>2022/02/02</a:t>
             </a:fld>
             <a:endParaRPr lang="en-JP"/>
           </a:p>
@@ -462,7 +462,7 @@
           <a:lstStyle/>
           <a:p>
             <a:fld id="{E671B877-CDFC-C242-A54A-17C93E91C5BE}" type="datetimeFigureOut">
-              <a:t>2022/01/25</a:t>
+              <a:t>2022/02/02</a:t>
             </a:fld>
             <a:endParaRPr lang="en-JP"/>
           </a:p>
@@ -670,7 +670,7 @@
           <a:lstStyle/>
           <a:p>
             <a:fld id="{E671B877-CDFC-C242-A54A-17C93E91C5BE}" type="datetimeFigureOut">
-              <a:t>2022/01/25</a:t>
+              <a:t>2022/02/02</a:t>
             </a:fld>
             <a:endParaRPr lang="en-JP"/>
           </a:p>
@@ -868,7 +868,7 @@
           <a:lstStyle/>
           <a:p>
             <a:fld id="{E671B877-CDFC-C242-A54A-17C93E91C5BE}" type="datetimeFigureOut">
-              <a:t>2022/01/25</a:t>
+              <a:t>2022/02/02</a:t>
             </a:fld>
             <a:endParaRPr lang="en-JP"/>
           </a:p>
@@ -1142,7 +1142,7 @@
           <a:lstStyle/>
           <a:p>
             <a:fld id="{E671B877-CDFC-C242-A54A-17C93E91C5BE}" type="datetimeFigureOut">
-              <a:t>2022/01/25</a:t>
+              <a:t>2022/02/02</a:t>
             </a:fld>
             <a:endParaRPr lang="en-JP"/>
           </a:p>
@@ -1408,7 +1408,7 @@
           <a:lstStyle/>
           <a:p>
             <a:fld id="{E671B877-CDFC-C242-A54A-17C93E91C5BE}" type="datetimeFigureOut">
-              <a:t>2022/01/25</a:t>
+              <a:t>2022/02/02</a:t>
             </a:fld>
             <a:endParaRPr lang="en-JP"/>
           </a:p>
@@ -1821,7 +1821,7 @@
           <a:lstStyle/>
           <a:p>
             <a:fld id="{E671B877-CDFC-C242-A54A-17C93E91C5BE}" type="datetimeFigureOut">
-              <a:t>2022/01/25</a:t>
+              <a:t>2022/02/02</a:t>
             </a:fld>
             <a:endParaRPr lang="en-JP"/>
           </a:p>
@@ -1961,7 +1961,7 @@
           <a:lstStyle/>
           <a:p>
             <a:fld id="{E671B877-CDFC-C242-A54A-17C93E91C5BE}" type="datetimeFigureOut">
-              <a:t>2022/01/25</a:t>
+              <a:t>2022/02/02</a:t>
             </a:fld>
             <a:endParaRPr lang="en-JP"/>
           </a:p>
@@ -2072,7 +2072,7 @@
           <a:lstStyle/>
           <a:p>
             <a:fld id="{E671B877-CDFC-C242-A54A-17C93E91C5BE}" type="datetimeFigureOut">
-              <a:t>2022/01/25</a:t>
+              <a:t>2022/02/02</a:t>
             </a:fld>
             <a:endParaRPr lang="en-JP"/>
           </a:p>
@@ -2383,7 +2383,7 @@
           <a:lstStyle/>
           <a:p>
             <a:fld id="{E671B877-CDFC-C242-A54A-17C93E91C5BE}" type="datetimeFigureOut">
-              <a:t>2022/01/25</a:t>
+              <a:t>2022/02/02</a:t>
             </a:fld>
             <a:endParaRPr lang="en-JP"/>
           </a:p>
@@ -2670,7 +2670,7 @@
           <a:lstStyle/>
           <a:p>
             <a:fld id="{E671B877-CDFC-C242-A54A-17C93E91C5BE}" type="datetimeFigureOut">
-              <a:t>2022/01/25</a:t>
+              <a:t>2022/02/02</a:t>
             </a:fld>
             <a:endParaRPr lang="en-JP"/>
           </a:p>
@@ -2911,7 +2911,7 @@
           </a:lstStyle>
           <a:p>
             <a:fld id="{E671B877-CDFC-C242-A54A-17C93E91C5BE}" type="datetimeFigureOut">
-              <a:t>2022/01/25</a:t>
+              <a:t>2022/02/02</a:t>
             </a:fld>
             <a:endParaRPr lang="en-JP"/>
           </a:p>
@@ -3960,8 +3960,8 @@
         </p:nvSpPr>
         <p:spPr>
           <a:xfrm>
-            <a:off x="6859142" y="3445371"/>
-            <a:ext cx="715360" cy="1357063"/>
+            <a:off x="6859140" y="3445371"/>
+            <a:ext cx="730445" cy="1344399"/>
           </a:xfrm>
           <a:prstGeom prst="rect">
             <a:avLst/>
@@ -4082,8 +4082,8 @@
         </p:nvSpPr>
         <p:spPr>
           <a:xfrm>
-            <a:off x="8621477" y="4789771"/>
-            <a:ext cx="1070523" cy="1037662"/>
+            <a:off x="8610601" y="4789771"/>
+            <a:ext cx="1078210" cy="1037662"/>
           </a:xfrm>
           <a:prstGeom prst="rect">
             <a:avLst/>
@@ -4143,8 +4143,8 @@
         </p:nvSpPr>
         <p:spPr>
           <a:xfrm>
-            <a:off x="9700362" y="4123902"/>
-            <a:ext cx="1332975" cy="1692932"/>
+            <a:off x="9688812" y="4101968"/>
+            <a:ext cx="1344526" cy="1714866"/>
           </a:xfrm>
           <a:prstGeom prst="rect">
             <a:avLst/>
@@ -4205,7 +4205,7 @@
         <p:spPr>
           <a:xfrm>
             <a:off x="7590666" y="4101968"/>
-            <a:ext cx="1770137" cy="678532"/>
+            <a:ext cx="1770137" cy="687802"/>
           </a:xfrm>
           <a:prstGeom prst="rect">
             <a:avLst/>
@@ -4266,7 +4266,7 @@
         <p:spPr>
           <a:xfrm>
             <a:off x="7589587" y="3429000"/>
-            <a:ext cx="2473808" cy="678532"/>
+            <a:ext cx="2473808" cy="672968"/>
           </a:xfrm>
           <a:prstGeom prst="rect">
             <a:avLst/>
@@ -4326,7 +4326,7 @@
         </p:nvCxnSpPr>
         <p:spPr>
           <a:xfrm>
-            <a:off x="4884409" y="4637314"/>
+            <a:off x="5027628" y="4615281"/>
             <a:ext cx="1146559" cy="0"/>
           </a:xfrm>
           <a:prstGeom prst="straightConnector1">
@@ -4601,8 +4601,8 @@
           </p:sp>
         </mc:Fallback>
       </mc:AlternateContent>
-      <mc:AlternateContent xmlns:mc="http://schemas.openxmlformats.org/markup-compatibility/2006" xmlns:a14="http://schemas.microsoft.com/office/drawing/2010/main">
-        <mc:Choice Requires="a14">
+      <mc:AlternateContent xmlns:mc="http://schemas.openxmlformats.org/markup-compatibility/2006">
+        <mc:Choice xmlns:a14="http://schemas.microsoft.com/office/drawing/2010/main" Requires="a14">
           <p:sp>
             <p:nvSpPr>
               <p:cNvPr id="13" name="Rectangle 12">
@@ -4672,7 +4672,7 @@
                         <a:rPr lang="en-US" sz="3600" b="0" i="1">
                           <a:latin typeface="Cambria Math" panose="02040503050406030204" pitchFamily="18" charset="0"/>
                         </a:rPr>
-                        <m:t>={1,2,…,6}</m:t>
+                        <m:t>={1, 2, …, 6}</m:t>
                       </m:r>
                     </m:oMath>
                   </m:oMathPara>
@@ -4705,7 +4705,7 @@
                       <a:rPr lang="en-US" sz="3600" b="0" i="1">
                         <a:latin typeface="Cambria Math" panose="02040503050406030204" pitchFamily="18" charset="0"/>
                       </a:rPr>
-                      <m:t>(1,2,3,4,5,6)</m:t>
+                      <m:t>(1, 2, 3, 4, 5, 6)</m:t>
                     </m:r>
                   </m:oMath>
                 </a14:m>
@@ -4737,7 +4737,7 @@
                       <a:rPr lang="en-US" sz="3600" b="0" i="1">
                         <a:latin typeface="Cambria Math" panose="02040503050406030204" pitchFamily="18" charset="0"/>
                       </a:rPr>
-                      <m:t>(4,5,1,3,6,2)</m:t>
+                      <m:t>(4, 5, 1, 3, 6, 2)</m:t>
                     </m:r>
                   </m:oMath>
                 </a14:m>
@@ -4746,7 +4746,7 @@
             </p:txBody>
           </p:sp>
         </mc:Choice>
-        <mc:Fallback xmlns="">
+        <mc:Fallback>
           <p:sp>
             <p:nvSpPr>
               <p:cNvPr id="13" name="Rectangle 12">
